--- a/DOC/distance.pptx
+++ b/DOC/distance.pptx
@@ -6,6 +6,7 @@
   </p:sldMasterIdLst>
   <p:sldIdLst>
     <p:sldId id="257" r:id="rId2"/>
+    <p:sldId id="258" r:id="rId3"/>
   </p:sldIdLst>
   <p:sldSz cx="12192000" cy="6858000"/>
   <p:notesSz cx="6858000" cy="9144000"/>
@@ -104,6 +105,11 @@
       </a:defRPr>
     </a:lvl9pPr>
   </p:defaultTextStyle>
+  <p:extLst>
+    <p:ext uri="{EFAFB233-063F-42B5-8137-9DF3F51BA10A}">
+      <p15:sldGuideLst xmlns:p15="http://schemas.microsoft.com/office/powerpoint/2012/main"/>
+    </p:ext>
+  </p:extLst>
 </p:presentation>
 </file>
 
@@ -254,7 +260,7 @@
           <a:p>
             <a:fld id="{E914E0AD-3639-4F7B-B9E2-909A354E8B32}" type="datetimeFigureOut">
               <a:rPr lang="en-US" smtClean="0"/>
-              <a:t>7/1/2023</a:t>
+              <a:t>7/6/2023</a:t>
             </a:fld>
             <a:endParaRPr lang="en-US"/>
           </a:p>
@@ -452,7 +458,7 @@
           <a:p>
             <a:fld id="{E914E0AD-3639-4F7B-B9E2-909A354E8B32}" type="datetimeFigureOut">
               <a:rPr lang="en-US" smtClean="0"/>
-              <a:t>7/1/2023</a:t>
+              <a:t>7/6/2023</a:t>
             </a:fld>
             <a:endParaRPr lang="en-US"/>
           </a:p>
@@ -660,7 +666,7 @@
           <a:p>
             <a:fld id="{E914E0AD-3639-4F7B-B9E2-909A354E8B32}" type="datetimeFigureOut">
               <a:rPr lang="en-US" smtClean="0"/>
-              <a:t>7/1/2023</a:t>
+              <a:t>7/6/2023</a:t>
             </a:fld>
             <a:endParaRPr lang="en-US"/>
           </a:p>
@@ -858,7 +864,7 @@
           <a:p>
             <a:fld id="{E914E0AD-3639-4F7B-B9E2-909A354E8B32}" type="datetimeFigureOut">
               <a:rPr lang="en-US" smtClean="0"/>
-              <a:t>7/1/2023</a:t>
+              <a:t>7/6/2023</a:t>
             </a:fld>
             <a:endParaRPr lang="en-US"/>
           </a:p>
@@ -1133,7 +1139,7 @@
           <a:p>
             <a:fld id="{E914E0AD-3639-4F7B-B9E2-909A354E8B32}" type="datetimeFigureOut">
               <a:rPr lang="en-US" smtClean="0"/>
-              <a:t>7/1/2023</a:t>
+              <a:t>7/6/2023</a:t>
             </a:fld>
             <a:endParaRPr lang="en-US"/>
           </a:p>
@@ -1398,7 +1404,7 @@
           <a:p>
             <a:fld id="{E914E0AD-3639-4F7B-B9E2-909A354E8B32}" type="datetimeFigureOut">
               <a:rPr lang="en-US" smtClean="0"/>
-              <a:t>7/1/2023</a:t>
+              <a:t>7/6/2023</a:t>
             </a:fld>
             <a:endParaRPr lang="en-US"/>
           </a:p>
@@ -1810,7 +1816,7 @@
           <a:p>
             <a:fld id="{E914E0AD-3639-4F7B-B9E2-909A354E8B32}" type="datetimeFigureOut">
               <a:rPr lang="en-US" smtClean="0"/>
-              <a:t>7/1/2023</a:t>
+              <a:t>7/6/2023</a:t>
             </a:fld>
             <a:endParaRPr lang="en-US"/>
           </a:p>
@@ -1951,7 +1957,7 @@
           <a:p>
             <a:fld id="{E914E0AD-3639-4F7B-B9E2-909A354E8B32}" type="datetimeFigureOut">
               <a:rPr lang="en-US" smtClean="0"/>
-              <a:t>7/1/2023</a:t>
+              <a:t>7/6/2023</a:t>
             </a:fld>
             <a:endParaRPr lang="en-US"/>
           </a:p>
@@ -2101,7 +2107,7 @@
           <a:p>
             <a:fld id="{E914E0AD-3639-4F7B-B9E2-909A354E8B32}" type="datetimeFigureOut">
               <a:rPr lang="en-US" smtClean="0"/>
-              <a:t>7/1/2023</a:t>
+              <a:t>7/6/2023</a:t>
             </a:fld>
             <a:endParaRPr lang="en-US"/>
           </a:p>
@@ -2412,7 +2418,7 @@
           <a:p>
             <a:fld id="{E914E0AD-3639-4F7B-B9E2-909A354E8B32}" type="datetimeFigureOut">
               <a:rPr lang="en-US" smtClean="0"/>
-              <a:t>7/1/2023</a:t>
+              <a:t>7/6/2023</a:t>
             </a:fld>
             <a:endParaRPr lang="en-US"/>
           </a:p>
@@ -2700,7 +2706,7 @@
           <a:p>
             <a:fld id="{E914E0AD-3639-4F7B-B9E2-909A354E8B32}" type="datetimeFigureOut">
               <a:rPr lang="en-US" smtClean="0"/>
-              <a:t>7/1/2023</a:t>
+              <a:t>7/6/2023</a:t>
             </a:fld>
             <a:endParaRPr lang="en-US"/>
           </a:p>
@@ -2941,7 +2947,7 @@
           <a:p>
             <a:fld id="{E914E0AD-3639-4F7B-B9E2-909A354E8B32}" type="datetimeFigureOut">
               <a:rPr lang="en-US" smtClean="0"/>
-              <a:t>7/1/2023</a:t>
+              <a:t>7/6/2023</a:t>
             </a:fld>
             <a:endParaRPr lang="en-US"/>
           </a:p>
@@ -3379,7 +3385,10 @@
           <a:bodyPr/>
           <a:lstStyle/>
           <a:p>
-            <a:endParaRPr lang="en-US"/>
+            <a:endParaRPr lang="en-US">
+              <a:latin typeface="Segoe UI Black" panose="020B0A02040204020203" pitchFamily="34" charset="0"/>
+              <a:ea typeface="Segoe UI Black" panose="020B0A02040204020203" pitchFamily="34" charset="0"/>
+            </a:endParaRPr>
           </a:p>
         </p:txBody>
       </p:sp>
@@ -3426,10 +3435,10 @@
         </p:nvGrpSpPr>
         <p:grpSpPr>
           <a:xfrm>
-            <a:off x="8322496" y="5197966"/>
-            <a:ext cx="2864365" cy="1445517"/>
-            <a:chOff x="3213717" y="2196104"/>
-            <a:chExt cx="2864365" cy="1779550"/>
+            <a:off x="8577056" y="4908545"/>
+            <a:ext cx="3114433" cy="1734938"/>
+            <a:chOff x="3213717" y="1839804"/>
+            <a:chExt cx="3114433" cy="2135851"/>
           </a:xfrm>
         </p:grpSpPr>
         <p:sp>
@@ -3446,8 +3455,8 @@
           </p:nvSpPr>
           <p:spPr>
             <a:xfrm>
-              <a:off x="3213717" y="2196104"/>
-              <a:ext cx="585926" cy="1779550"/>
+              <a:off x="3213717" y="1839804"/>
+              <a:ext cx="585926" cy="2135851"/>
             </a:xfrm>
             <a:prstGeom prst="rightBrace">
               <a:avLst/>
@@ -3472,7 +3481,10 @@
             <a:lstStyle/>
             <a:p>
               <a:pPr algn="ctr"/>
-              <a:endParaRPr lang="en-US" dirty="0"/>
+              <a:endParaRPr lang="en-US" dirty="0">
+                <a:latin typeface="Segoe UI Black" panose="020B0A02040204020203" pitchFamily="34" charset="0"/>
+                <a:ea typeface="Segoe UI Black" panose="020B0A02040204020203" pitchFamily="34" charset="0"/>
+              </a:endParaRPr>
             </a:p>
           </p:txBody>
         </p:sp>
@@ -3491,7 +3503,7 @@
           <p:spPr>
             <a:xfrm>
               <a:off x="3934546" y="2901212"/>
-              <a:ext cx="2143536" cy="530457"/>
+              <a:ext cx="2393604" cy="530457"/>
             </a:xfrm>
             <a:prstGeom prst="rect">
               <a:avLst/>
@@ -3505,15 +3517,24 @@
             <a:lstStyle/>
             <a:p>
               <a:r>
-                <a:rPr lang="en-US" sz="1100" dirty="0" err="1"/>
+                <a:rPr lang="en-US" sz="1100" dirty="0" err="1">
+                  <a:latin typeface="Segoe UI Black" panose="020B0A02040204020203" pitchFamily="34" charset="0"/>
+                  <a:ea typeface="Segoe UI Black" panose="020B0A02040204020203" pitchFamily="34" charset="0"/>
+                </a:rPr>
                 <a:t>parking_position_to_nozzle_mm</a:t>
               </a:r>
               <a:br>
-                <a:rPr lang="en-US" sz="1100" dirty="0"/>
+                <a:rPr lang="en-US" sz="1100" dirty="0">
+                  <a:latin typeface="Segoe UI Black" panose="020B0A02040204020203" pitchFamily="34" charset="0"/>
+                  <a:ea typeface="Segoe UI Black" panose="020B0A02040204020203" pitchFamily="34" charset="0"/>
+                </a:rPr>
               </a:br>
               <a:r>
-                <a:rPr lang="en-US" sz="1100" dirty="0"/>
-                <a:t>13+30=43</a:t>
+                <a:rPr lang="en-US" sz="1100" dirty="0">
+                  <a:latin typeface="Segoe UI Black" panose="020B0A02040204020203" pitchFamily="34" charset="0"/>
+                  <a:ea typeface="Segoe UI Black" panose="020B0A02040204020203" pitchFamily="34" charset="0"/>
+                </a:rPr>
+                <a:t>41</a:t>
               </a:r>
             </a:p>
           </p:txBody>
@@ -3533,10 +3554,10 @@
         </p:nvGrpSpPr>
         <p:grpSpPr>
           <a:xfrm>
-            <a:off x="8293182" y="703874"/>
-            <a:ext cx="3315722" cy="1445517"/>
+            <a:off x="8547742" y="703873"/>
+            <a:ext cx="3533730" cy="1445517"/>
             <a:chOff x="3312190" y="2233632"/>
-            <a:chExt cx="3315722" cy="1779550"/>
+            <a:chExt cx="3533730" cy="1779550"/>
           </a:xfrm>
         </p:grpSpPr>
         <p:sp>
@@ -3579,7 +3600,10 @@
             <a:lstStyle/>
             <a:p>
               <a:pPr algn="ctr"/>
-              <a:endParaRPr lang="en-US" dirty="0"/>
+              <a:endParaRPr lang="en-US" dirty="0">
+                <a:latin typeface="Segoe UI Black" panose="020B0A02040204020203" pitchFamily="34" charset="0"/>
+                <a:ea typeface="Segoe UI Black" panose="020B0A02040204020203" pitchFamily="34" charset="0"/>
+              </a:endParaRPr>
             </a:p>
           </p:txBody>
         </p:sp>
@@ -3598,7 +3622,7 @@
           <p:spPr>
             <a:xfrm>
               <a:off x="3934546" y="2901212"/>
-              <a:ext cx="2693366" cy="530457"/>
+              <a:ext cx="2911374" cy="530457"/>
             </a:xfrm>
             <a:prstGeom prst="rect">
               <a:avLst/>
@@ -3612,15 +3636,24 @@
             <a:lstStyle/>
             <a:p>
               <a:r>
-                <a:rPr lang="en-US" sz="1100" dirty="0" err="1"/>
+                <a:rPr lang="en-US" sz="1100" dirty="0" err="1">
+                  <a:latin typeface="Segoe UI Black" panose="020B0A02040204020203" pitchFamily="34" charset="0"/>
+                  <a:ea typeface="Segoe UI Black" panose="020B0A02040204020203" pitchFamily="34" charset="0"/>
+                </a:rPr>
                 <a:t>toolhead_sensor_to_bowden_cache_mm</a:t>
               </a:r>
               <a:br>
-                <a:rPr lang="en-US" sz="1100" dirty="0"/>
+                <a:rPr lang="en-US" sz="1100" dirty="0">
+                  <a:latin typeface="Segoe UI Black" panose="020B0A02040204020203" pitchFamily="34" charset="0"/>
+                  <a:ea typeface="Segoe UI Black" panose="020B0A02040204020203" pitchFamily="34" charset="0"/>
+                </a:rPr>
               </a:br>
               <a:r>
-                <a:rPr lang="en-US" sz="1100" dirty="0"/>
-                <a:t>52</a:t>
+                <a:rPr lang="en-US" sz="1100" dirty="0">
+                  <a:latin typeface="Segoe UI Black" panose="020B0A02040204020203" pitchFamily="34" charset="0"/>
+                  <a:ea typeface="Segoe UI Black" panose="020B0A02040204020203" pitchFamily="34" charset="0"/>
+                </a:rPr>
+                <a:t>60</a:t>
               </a:r>
             </a:p>
           </p:txBody>
@@ -3641,9 +3674,9 @@
         <p:grpSpPr>
           <a:xfrm>
             <a:off x="4468202" y="56644"/>
-            <a:ext cx="3489536" cy="2233986"/>
+            <a:ext cx="3784488" cy="2233986"/>
             <a:chOff x="3213717" y="2196104"/>
-            <a:chExt cx="3489536" cy="1779550"/>
+            <a:chExt cx="3784488" cy="1779550"/>
           </a:xfrm>
         </p:grpSpPr>
         <p:sp>
@@ -3686,7 +3719,10 @@
             <a:lstStyle/>
             <a:p>
               <a:pPr algn="ctr"/>
-              <a:endParaRPr lang="en-US" dirty="0"/>
+              <a:endParaRPr lang="en-US" dirty="0">
+                <a:latin typeface="Segoe UI Black" panose="020B0A02040204020203" pitchFamily="34" charset="0"/>
+                <a:ea typeface="Segoe UI Black" panose="020B0A02040204020203" pitchFamily="34" charset="0"/>
+              </a:endParaRPr>
             </a:p>
           </p:txBody>
         </p:sp>
@@ -3705,7 +3741,7 @@
           <p:spPr>
             <a:xfrm>
               <a:off x="3934546" y="2901212"/>
-              <a:ext cx="2768707" cy="343236"/>
+              <a:ext cx="3063659" cy="343236"/>
             </a:xfrm>
             <a:prstGeom prst="rect">
               <a:avLst/>
@@ -3719,14 +3755,23 @@
             <a:lstStyle/>
             <a:p>
               <a:r>
-                <a:rPr lang="en-US" sz="1100" dirty="0" err="1"/>
+                <a:rPr lang="en-US" sz="1100" dirty="0" err="1">
+                  <a:latin typeface="Segoe UI Black" panose="020B0A02040204020203" pitchFamily="34" charset="0"/>
+                  <a:ea typeface="Segoe UI Black" panose="020B0A02040204020203" pitchFamily="34" charset="0"/>
+                </a:rPr>
                 <a:t>toolhead_sensor_to_bowden_parking_mm</a:t>
               </a:r>
               <a:br>
-                <a:rPr lang="en-US" sz="1100" dirty="0"/>
+                <a:rPr lang="en-US" sz="1100" dirty="0">
+                  <a:latin typeface="Segoe UI Black" panose="020B0A02040204020203" pitchFamily="34" charset="0"/>
+                  <a:ea typeface="Segoe UI Black" panose="020B0A02040204020203" pitchFamily="34" charset="0"/>
+                </a:rPr>
               </a:br>
               <a:r>
-                <a:rPr lang="en-US" sz="1100" dirty="0"/>
+                <a:rPr lang="en-US" sz="1100" dirty="0">
+                  <a:latin typeface="Segoe UI Black" panose="020B0A02040204020203" pitchFamily="34" charset="0"/>
+                  <a:ea typeface="Segoe UI Black" panose="020B0A02040204020203" pitchFamily="34" charset="0"/>
+                </a:rPr>
                 <a:t>70</a:t>
               </a:r>
             </a:p>
@@ -3747,10 +3792,10 @@
         </p:nvGrpSpPr>
         <p:grpSpPr>
           <a:xfrm>
-            <a:off x="8322496" y="3083559"/>
-            <a:ext cx="3374119" cy="2114407"/>
-            <a:chOff x="3213717" y="2193742"/>
-            <a:chExt cx="3374119" cy="1779550"/>
+            <a:off x="8577056" y="3083560"/>
+            <a:ext cx="3728384" cy="1824986"/>
+            <a:chOff x="3213717" y="2193743"/>
+            <a:chExt cx="3728384" cy="1535964"/>
           </a:xfrm>
         </p:grpSpPr>
         <p:sp>
@@ -3767,8 +3812,8 @@
           </p:nvSpPr>
           <p:spPr>
             <a:xfrm>
-              <a:off x="3213717" y="2193742"/>
-              <a:ext cx="585926" cy="1779550"/>
+              <a:off x="3213717" y="2193743"/>
+              <a:ext cx="585926" cy="1535964"/>
             </a:xfrm>
             <a:prstGeom prst="rightBrace">
               <a:avLst/>
@@ -3793,7 +3838,10 @@
             <a:lstStyle/>
             <a:p>
               <a:pPr algn="ctr"/>
-              <a:endParaRPr lang="en-US" dirty="0"/>
+              <a:endParaRPr lang="en-US" dirty="0">
+                <a:latin typeface="Segoe UI Black" panose="020B0A02040204020203" pitchFamily="34" charset="0"/>
+                <a:ea typeface="Segoe UI Black" panose="020B0A02040204020203" pitchFamily="34" charset="0"/>
+              </a:endParaRPr>
             </a:p>
           </p:txBody>
         </p:sp>
@@ -3812,7 +3860,7 @@
           <p:spPr>
             <a:xfrm>
               <a:off x="3934546" y="2901212"/>
-              <a:ext cx="2653290" cy="362648"/>
+              <a:ext cx="3007555" cy="362648"/>
             </a:xfrm>
             <a:prstGeom prst="rect">
               <a:avLst/>
@@ -3826,119 +3874,31 @@
             <a:lstStyle/>
             <a:p>
               <a:r>
-                <a:rPr lang="en-US" sz="1100" dirty="0" err="1"/>
+                <a:rPr lang="en-US" sz="1100" dirty="0" err="1">
+                  <a:latin typeface="Segoe UI Black" panose="020B0A02040204020203" pitchFamily="34" charset="0"/>
+                  <a:ea typeface="Segoe UI Black" panose="020B0A02040204020203" pitchFamily="34" charset="0"/>
+                </a:rPr>
                 <a:t>extruder_gear_to_parking_position_mm</a:t>
               </a:r>
               <a:r>
-                <a:rPr lang="en-US" sz="1100" dirty="0"/>
+                <a:rPr lang="en-US" sz="1100" dirty="0">
+                  <a:latin typeface="Segoe UI Black" panose="020B0A02040204020203" pitchFamily="34" charset="0"/>
+                  <a:ea typeface="Segoe UI Black" panose="020B0A02040204020203" pitchFamily="34" charset="0"/>
+                </a:rPr>
                 <a:t>: </a:t>
               </a:r>
               <a:br>
-                <a:rPr lang="en-US" sz="1100" dirty="0"/>
+                <a:rPr lang="en-US" sz="1100" dirty="0">
+                  <a:latin typeface="Segoe UI Black" panose="020B0A02040204020203" pitchFamily="34" charset="0"/>
+                  <a:ea typeface="Segoe UI Black" panose="020B0A02040204020203" pitchFamily="34" charset="0"/>
+                </a:rPr>
               </a:br>
               <a:r>
-                <a:rPr lang="en-US" sz="1100" dirty="0"/>
-                <a:t>49,5</a:t>
-              </a:r>
-            </a:p>
-          </p:txBody>
-        </p:sp>
-      </p:grpSp>
-      <p:grpSp>
-        <p:nvGrpSpPr>
-          <p:cNvPr id="17" name="Group 16">
-            <a:extLst>
-              <a:ext uri="{FF2B5EF4-FFF2-40B4-BE49-F238E27FC236}">
-                <a16:creationId xmlns:a16="http://schemas.microsoft.com/office/drawing/2014/main" id="{6E9B663C-3F94-877B-D7CE-946A9D69F779}"/>
-              </a:ext>
-            </a:extLst>
-          </p:cNvPr>
-          <p:cNvGrpSpPr/>
-          <p:nvPr/>
-        </p:nvGrpSpPr>
-        <p:grpSpPr>
-          <a:xfrm>
-            <a:off x="3630968" y="4494394"/>
-            <a:ext cx="1710202" cy="703572"/>
-            <a:chOff x="3213717" y="2196104"/>
-            <a:chExt cx="1710202" cy="1779550"/>
-          </a:xfrm>
-        </p:grpSpPr>
-        <p:sp>
-          <p:nvSpPr>
-            <p:cNvPr id="18" name="Right Brace 17">
-              <a:extLst>
-                <a:ext uri="{FF2B5EF4-FFF2-40B4-BE49-F238E27FC236}">
-                  <a16:creationId xmlns:a16="http://schemas.microsoft.com/office/drawing/2014/main" id="{6745F0D8-6E07-50FA-8539-5C4FBAAF5171}"/>
-                </a:ext>
-              </a:extLst>
-            </p:cNvPr>
-            <p:cNvSpPr/>
-            <p:nvPr/>
-          </p:nvSpPr>
-          <p:spPr>
-            <a:xfrm>
-              <a:off x="3213717" y="2196104"/>
-              <a:ext cx="585926" cy="1779550"/>
-            </a:xfrm>
-            <a:prstGeom prst="rightBrace">
-              <a:avLst/>
-            </a:prstGeom>
-          </p:spPr>
-          <p:style>
-            <a:lnRef idx="2">
-              <a:schemeClr val="accent1"/>
-            </a:lnRef>
-            <a:fillRef idx="0">
-              <a:schemeClr val="accent1"/>
-            </a:fillRef>
-            <a:effectRef idx="1">
-              <a:schemeClr val="accent1"/>
-            </a:effectRef>
-            <a:fontRef idx="minor">
-              <a:schemeClr val="tx1"/>
-            </a:fontRef>
-          </p:style>
-          <p:txBody>
-            <a:bodyPr rtlCol="0" anchor="ctr"/>
-            <a:lstStyle/>
-            <a:p>
-              <a:pPr algn="ctr"/>
-              <a:endParaRPr lang="en-US" dirty="0"/>
-            </a:p>
-          </p:txBody>
-        </p:sp>
-        <p:sp>
-          <p:nvSpPr>
-            <p:cNvPr id="19" name="TextBox 18">
-              <a:extLst>
-                <a:ext uri="{FF2B5EF4-FFF2-40B4-BE49-F238E27FC236}">
-                  <a16:creationId xmlns:a16="http://schemas.microsoft.com/office/drawing/2014/main" id="{144302C5-09BD-3B5A-BE29-163DCBE82941}"/>
-                </a:ext>
-              </a:extLst>
-            </p:cNvPr>
-            <p:cNvSpPr txBox="1"/>
-            <p:nvPr/>
-          </p:nvSpPr>
-          <p:spPr>
-            <a:xfrm>
-              <a:off x="3934546" y="2901212"/>
-              <a:ext cx="989373" cy="661692"/>
-            </a:xfrm>
-            <a:prstGeom prst="rect">
-              <a:avLst/>
-            </a:prstGeom>
-            <a:noFill/>
-          </p:spPr>
-          <p:txBody>
-            <a:bodyPr wrap="none" rtlCol="0">
-              <a:spAutoFit/>
-            </a:bodyPr>
-            <a:lstStyle/>
-            <a:p>
-              <a:r>
-                <a:rPr lang="en-US" sz="1100" dirty="0"/>
-                <a:t>To parking 10</a:t>
+                <a:rPr lang="en-US" sz="1100" dirty="0">
+                  <a:latin typeface="Segoe UI Black" panose="020B0A02040204020203" pitchFamily="34" charset="0"/>
+                  <a:ea typeface="Segoe UI Black" panose="020B0A02040204020203" pitchFamily="34" charset="0"/>
+                </a:rPr>
+                <a:t>52,5</a:t>
               </a:r>
             </a:p>
           </p:txBody>
@@ -3958,10 +3918,10 @@
         </p:nvGrpSpPr>
         <p:grpSpPr>
           <a:xfrm>
-            <a:off x="8322496" y="2192784"/>
-            <a:ext cx="3321756" cy="901175"/>
+            <a:off x="8577056" y="2192783"/>
+            <a:ext cx="3607091" cy="901175"/>
             <a:chOff x="3213717" y="2193742"/>
-            <a:chExt cx="3311926" cy="1779550"/>
+            <a:chExt cx="3596417" cy="1779550"/>
           </a:xfrm>
         </p:grpSpPr>
         <p:sp>
@@ -4004,7 +3964,10 @@
             <a:lstStyle/>
             <a:p>
               <a:pPr algn="ctr"/>
-              <a:endParaRPr lang="en-US" dirty="0"/>
+              <a:endParaRPr lang="en-US" dirty="0">
+                <a:latin typeface="Segoe UI Black" panose="020B0A02040204020203" pitchFamily="34" charset="0"/>
+                <a:ea typeface="Segoe UI Black" panose="020B0A02040204020203" pitchFamily="34" charset="0"/>
+              </a:endParaRPr>
             </a:p>
           </p:txBody>
         </p:sp>
@@ -4023,7 +3986,7 @@
           <p:spPr>
             <a:xfrm>
               <a:off x="3934546" y="2901212"/>
-              <a:ext cx="2591097" cy="850872"/>
+              <a:ext cx="2875588" cy="850872"/>
             </a:xfrm>
             <a:prstGeom prst="rect">
               <a:avLst/>
@@ -4037,24 +4000,1017 @@
             <a:lstStyle/>
             <a:p>
               <a:r>
-                <a:rPr lang="en-US" sz="1100" dirty="0" err="1"/>
+                <a:rPr lang="en-US" sz="1100" dirty="0" err="1">
+                  <a:latin typeface="Segoe UI Black" panose="020B0A02040204020203" pitchFamily="34" charset="0"/>
+                  <a:ea typeface="Segoe UI Black" panose="020B0A02040204020203" pitchFamily="34" charset="0"/>
+                </a:rPr>
                 <a:t>toolhead_sensor_to_extruder_gear_mm</a:t>
               </a:r>
-              <a:endParaRPr lang="en-US" sz="1100" dirty="0"/>
+              <a:endParaRPr lang="en-US" sz="1100" dirty="0">
+                <a:latin typeface="Segoe UI Black" panose="020B0A02040204020203" pitchFamily="34" charset="0"/>
+                <a:ea typeface="Segoe UI Black" panose="020B0A02040204020203" pitchFamily="34" charset="0"/>
+              </a:endParaRPr>
             </a:p>
             <a:p>
               <a:r>
-                <a:rPr lang="en-US" sz="1100" dirty="0"/>
+                <a:rPr lang="en-US" sz="1100" dirty="0">
+                  <a:latin typeface="Segoe UI Black" panose="020B0A02040204020203" pitchFamily="34" charset="0"/>
+                  <a:ea typeface="Segoe UI Black" panose="020B0A02040204020203" pitchFamily="34" charset="0"/>
+                </a:rPr>
                 <a:t>20,5</a:t>
               </a:r>
             </a:p>
           </p:txBody>
         </p:sp>
       </p:grpSp>
+      <p:sp>
+        <p:nvSpPr>
+          <p:cNvPr id="31" name="Rectangle 30">
+            <a:extLst>
+              <a:ext uri="{FF2B5EF4-FFF2-40B4-BE49-F238E27FC236}">
+                <a16:creationId xmlns:a16="http://schemas.microsoft.com/office/drawing/2014/main" id="{833B528B-663F-9BD6-54AC-AE7EF2183035}"/>
+              </a:ext>
+            </a:extLst>
+          </p:cNvPr>
+          <p:cNvSpPr/>
+          <p:nvPr/>
+        </p:nvSpPr>
+        <p:spPr>
+          <a:xfrm>
+            <a:off x="2114507" y="2293918"/>
+            <a:ext cx="398169" cy="1747599"/>
+          </a:xfrm>
+          <a:prstGeom prst="rect">
+            <a:avLst/>
+          </a:prstGeom>
+          <a:solidFill>
+            <a:schemeClr val="accent5">
+              <a:alpha val="86000"/>
+            </a:schemeClr>
+          </a:solidFill>
+          <a:ln>
+            <a:noFill/>
+          </a:ln>
+        </p:spPr>
+        <p:style>
+          <a:lnRef idx="0">
+            <a:scrgbClr r="0" g="0" b="0"/>
+          </a:lnRef>
+          <a:fillRef idx="0">
+            <a:scrgbClr r="0" g="0" b="0"/>
+          </a:fillRef>
+          <a:effectRef idx="0">
+            <a:scrgbClr r="0" g="0" b="0"/>
+          </a:effectRef>
+          <a:fontRef idx="minor">
+            <a:schemeClr val="lt1"/>
+          </a:fontRef>
+        </p:style>
+        <p:txBody>
+          <a:bodyPr vert="vert270" rtlCol="0" anchor="ctr"/>
+          <a:lstStyle/>
+          <a:p>
+            <a:pPr algn="ctr"/>
+            <a:r>
+              <a:rPr lang="en-US" sz="700" b="1" dirty="0">
+                <a:solidFill>
+                  <a:srgbClr val="FFFF00"/>
+                </a:solidFill>
+                <a:latin typeface="Segoe UI Black" panose="020B0A02040204020203" pitchFamily="34" charset="0"/>
+                <a:ea typeface="Segoe UI Black" panose="020B0A02040204020203" pitchFamily="34" charset="0"/>
+              </a:rPr>
+              <a:t>Slicer Filament Parking Position Area</a:t>
+            </a:r>
+          </a:p>
+        </p:txBody>
+      </p:sp>
+      <p:sp>
+        <p:nvSpPr>
+          <p:cNvPr id="25" name="Right Brace 24">
+            <a:extLst>
+              <a:ext uri="{FF2B5EF4-FFF2-40B4-BE49-F238E27FC236}">
+                <a16:creationId xmlns:a16="http://schemas.microsoft.com/office/drawing/2014/main" id="{09F0BA51-9F3E-98B9-49AC-CEA6C82A32E6}"/>
+              </a:ext>
+            </a:extLst>
+          </p:cNvPr>
+          <p:cNvSpPr/>
+          <p:nvPr/>
+        </p:nvSpPr>
+        <p:spPr>
+          <a:xfrm>
+            <a:off x="6205769" y="5026431"/>
+            <a:ext cx="585926" cy="1496497"/>
+          </a:xfrm>
+          <a:prstGeom prst="rightBrace">
+            <a:avLst/>
+          </a:prstGeom>
+          <a:ln w="76200"/>
+        </p:spPr>
+        <p:style>
+          <a:lnRef idx="2">
+            <a:schemeClr val="accent6"/>
+          </a:lnRef>
+          <a:fillRef idx="0">
+            <a:schemeClr val="accent6"/>
+          </a:fillRef>
+          <a:effectRef idx="1">
+            <a:schemeClr val="accent6"/>
+          </a:effectRef>
+          <a:fontRef idx="minor">
+            <a:schemeClr val="tx1"/>
+          </a:fontRef>
+        </p:style>
+        <p:txBody>
+          <a:bodyPr rtlCol="0" anchor="ctr"/>
+          <a:lstStyle/>
+          <a:p>
+            <a:pPr algn="ctr"/>
+            <a:endParaRPr lang="en-US" dirty="0">
+              <a:latin typeface="Segoe UI Black" panose="020B0A02040204020203" pitchFamily="34" charset="0"/>
+              <a:ea typeface="Segoe UI Black" panose="020B0A02040204020203" pitchFamily="34" charset="0"/>
+            </a:endParaRPr>
+          </a:p>
+        </p:txBody>
+      </p:sp>
+      <p:sp>
+        <p:nvSpPr>
+          <p:cNvPr id="26" name="TextBox 25">
+            <a:extLst>
+              <a:ext uri="{FF2B5EF4-FFF2-40B4-BE49-F238E27FC236}">
+                <a16:creationId xmlns:a16="http://schemas.microsoft.com/office/drawing/2014/main" id="{F623594F-04A5-169F-0BC3-51D29E982DBB}"/>
+              </a:ext>
+            </a:extLst>
+          </p:cNvPr>
+          <p:cNvSpPr txBox="1"/>
+          <p:nvPr/>
+        </p:nvSpPr>
+        <p:spPr>
+          <a:xfrm>
+            <a:off x="7150475" y="5677830"/>
+            <a:ext cx="1529586" cy="430887"/>
+          </a:xfrm>
+          <a:prstGeom prst="rect">
+            <a:avLst/>
+          </a:prstGeom>
+          <a:noFill/>
+        </p:spPr>
+        <p:txBody>
+          <a:bodyPr wrap="none" rtlCol="0">
+            <a:spAutoFit/>
+          </a:bodyPr>
+          <a:lstStyle/>
+          <a:p>
+            <a:r>
+              <a:rPr lang="en-US" sz="1100" dirty="0">
+                <a:latin typeface="Segoe UI Black" panose="020B0A02040204020203" pitchFamily="34" charset="0"/>
+                <a:ea typeface="Segoe UI Black" panose="020B0A02040204020203" pitchFamily="34" charset="0"/>
+              </a:rPr>
+              <a:t>Slicer tube Position</a:t>
+            </a:r>
+          </a:p>
+          <a:p>
+            <a:r>
+              <a:rPr lang="en-US" sz="1100" dirty="0">
+                <a:latin typeface="Segoe UI Black" panose="020B0A02040204020203" pitchFamily="34" charset="0"/>
+                <a:ea typeface="Segoe UI Black" panose="020B0A02040204020203" pitchFamily="34" charset="0"/>
+              </a:rPr>
+              <a:t>41</a:t>
+            </a:r>
+          </a:p>
+        </p:txBody>
+      </p:sp>
+      <p:sp>
+        <p:nvSpPr>
+          <p:cNvPr id="27" name="Right Brace 26">
+            <a:extLst>
+              <a:ext uri="{FF2B5EF4-FFF2-40B4-BE49-F238E27FC236}">
+                <a16:creationId xmlns:a16="http://schemas.microsoft.com/office/drawing/2014/main" id="{37DBC854-C1F9-821E-D1A9-3A16A2D8951A}"/>
+              </a:ext>
+            </a:extLst>
+          </p:cNvPr>
+          <p:cNvSpPr/>
+          <p:nvPr/>
+        </p:nvSpPr>
+        <p:spPr>
+          <a:xfrm>
+            <a:off x="6554123" y="4365394"/>
+            <a:ext cx="585926" cy="1099051"/>
+          </a:xfrm>
+          <a:prstGeom prst="rightBrace">
+            <a:avLst/>
+          </a:prstGeom>
+          <a:ln w="76200"/>
+        </p:spPr>
+        <p:style>
+          <a:lnRef idx="2">
+            <a:schemeClr val="accent6"/>
+          </a:lnRef>
+          <a:fillRef idx="0">
+            <a:schemeClr val="accent6"/>
+          </a:fillRef>
+          <a:effectRef idx="1">
+            <a:schemeClr val="accent6"/>
+          </a:effectRef>
+          <a:fontRef idx="minor">
+            <a:schemeClr val="tx1"/>
+          </a:fontRef>
+        </p:style>
+        <p:txBody>
+          <a:bodyPr rtlCol="0" anchor="ctr"/>
+          <a:lstStyle/>
+          <a:p>
+            <a:pPr algn="ctr"/>
+            <a:endParaRPr lang="en-US" dirty="0">
+              <a:latin typeface="Segoe UI Black" panose="020B0A02040204020203" pitchFamily="34" charset="0"/>
+              <a:ea typeface="Segoe UI Black" panose="020B0A02040204020203" pitchFamily="34" charset="0"/>
+            </a:endParaRPr>
+          </a:p>
+        </p:txBody>
+      </p:sp>
+      <p:sp>
+        <p:nvSpPr>
+          <p:cNvPr id="28" name="TextBox 27">
+            <a:extLst>
+              <a:ext uri="{FF2B5EF4-FFF2-40B4-BE49-F238E27FC236}">
+                <a16:creationId xmlns:a16="http://schemas.microsoft.com/office/drawing/2014/main" id="{6BD89D67-EFF7-93B8-65BE-0C676EA512F3}"/>
+              </a:ext>
+            </a:extLst>
+          </p:cNvPr>
+          <p:cNvSpPr txBox="1"/>
+          <p:nvPr/>
+        </p:nvSpPr>
+        <p:spPr>
+          <a:xfrm>
+            <a:off x="7224101" y="4784114"/>
+            <a:ext cx="1436612" cy="430887"/>
+          </a:xfrm>
+          <a:prstGeom prst="rect">
+            <a:avLst/>
+          </a:prstGeom>
+          <a:noFill/>
+        </p:spPr>
+        <p:txBody>
+          <a:bodyPr wrap="none" rtlCol="0">
+            <a:spAutoFit/>
+          </a:bodyPr>
+          <a:lstStyle/>
+          <a:p>
+            <a:r>
+              <a:rPr lang="en-US" sz="1100" dirty="0">
+                <a:latin typeface="Segoe UI Black" panose="020B0A02040204020203" pitchFamily="34" charset="0"/>
+                <a:ea typeface="Segoe UI Black" panose="020B0A02040204020203" pitchFamily="34" charset="0"/>
+              </a:rPr>
+              <a:t>Slicer tube Length</a:t>
+            </a:r>
+          </a:p>
+          <a:p>
+            <a:r>
+              <a:rPr lang="en-US" sz="1100" dirty="0">
+                <a:latin typeface="Segoe UI Black" panose="020B0A02040204020203" pitchFamily="34" charset="0"/>
+                <a:ea typeface="Segoe UI Black" panose="020B0A02040204020203" pitchFamily="34" charset="0"/>
+              </a:rPr>
+              <a:t>22</a:t>
+            </a:r>
+          </a:p>
+        </p:txBody>
+      </p:sp>
+      <p:sp>
+        <p:nvSpPr>
+          <p:cNvPr id="29" name="Right Brace 28">
+            <a:extLst>
+              <a:ext uri="{FF2B5EF4-FFF2-40B4-BE49-F238E27FC236}">
+                <a16:creationId xmlns:a16="http://schemas.microsoft.com/office/drawing/2014/main" id="{19D93D77-9D78-40DB-30A5-43D842FEA2E9}"/>
+              </a:ext>
+            </a:extLst>
+          </p:cNvPr>
+          <p:cNvSpPr/>
+          <p:nvPr/>
+        </p:nvSpPr>
+        <p:spPr>
+          <a:xfrm>
+            <a:off x="4191950" y="3429000"/>
+            <a:ext cx="585926" cy="3068285"/>
+          </a:xfrm>
+          <a:prstGeom prst="rightBrace">
+            <a:avLst/>
+          </a:prstGeom>
+          <a:ln w="76200"/>
+        </p:spPr>
+        <p:style>
+          <a:lnRef idx="2">
+            <a:schemeClr val="accent6"/>
+          </a:lnRef>
+          <a:fillRef idx="0">
+            <a:schemeClr val="accent6"/>
+          </a:fillRef>
+          <a:effectRef idx="1">
+            <a:schemeClr val="accent6"/>
+          </a:effectRef>
+          <a:fontRef idx="minor">
+            <a:schemeClr val="tx1"/>
+          </a:fontRef>
+        </p:style>
+        <p:txBody>
+          <a:bodyPr rtlCol="0" anchor="ctr"/>
+          <a:lstStyle/>
+          <a:p>
+            <a:pPr algn="ctr"/>
+            <a:endParaRPr lang="en-US" dirty="0">
+              <a:latin typeface="Segoe UI Black" panose="020B0A02040204020203" pitchFamily="34" charset="0"/>
+              <a:ea typeface="Segoe UI Black" panose="020B0A02040204020203" pitchFamily="34" charset="0"/>
+            </a:endParaRPr>
+          </a:p>
+        </p:txBody>
+      </p:sp>
+      <p:sp>
+        <p:nvSpPr>
+          <p:cNvPr id="30" name="TextBox 29">
+            <a:extLst>
+              <a:ext uri="{FF2B5EF4-FFF2-40B4-BE49-F238E27FC236}">
+                <a16:creationId xmlns:a16="http://schemas.microsoft.com/office/drawing/2014/main" id="{15281A89-6C85-BE1C-2495-22242B465EAB}"/>
+              </a:ext>
+            </a:extLst>
+          </p:cNvPr>
+          <p:cNvSpPr txBox="1"/>
+          <p:nvPr/>
+        </p:nvSpPr>
+        <p:spPr>
+          <a:xfrm>
+            <a:off x="4738166" y="4767079"/>
+            <a:ext cx="1374094" cy="600164"/>
+          </a:xfrm>
+          <a:prstGeom prst="rect">
+            <a:avLst/>
+          </a:prstGeom>
+          <a:noFill/>
+        </p:spPr>
+        <p:txBody>
+          <a:bodyPr wrap="none" rtlCol="0">
+            <a:spAutoFit/>
+          </a:bodyPr>
+          <a:lstStyle/>
+          <a:p>
+            <a:r>
+              <a:rPr lang="en-US" sz="1100" dirty="0">
+                <a:latin typeface="Segoe UI Black" panose="020B0A02040204020203" pitchFamily="34" charset="0"/>
+                <a:ea typeface="Segoe UI Black" panose="020B0A02040204020203" pitchFamily="34" charset="0"/>
+              </a:rPr>
+              <a:t>Slicer Filament </a:t>
+            </a:r>
+            <a:br>
+              <a:rPr lang="en-US" sz="1100" dirty="0">
+                <a:latin typeface="Segoe UI Black" panose="020B0A02040204020203" pitchFamily="34" charset="0"/>
+                <a:ea typeface="Segoe UI Black" panose="020B0A02040204020203" pitchFamily="34" charset="0"/>
+              </a:rPr>
+            </a:br>
+            <a:r>
+              <a:rPr lang="en-US" sz="1100" dirty="0">
+                <a:latin typeface="Segoe UI Black" panose="020B0A02040204020203" pitchFamily="34" charset="0"/>
+                <a:ea typeface="Segoe UI Black" panose="020B0A02040204020203" pitchFamily="34" charset="0"/>
+              </a:rPr>
+              <a:t>Parking Position </a:t>
+            </a:r>
+            <a:br>
+              <a:rPr lang="en-US" sz="1100" dirty="0">
+                <a:latin typeface="Segoe UI Black" panose="020B0A02040204020203" pitchFamily="34" charset="0"/>
+                <a:ea typeface="Segoe UI Black" panose="020B0A02040204020203" pitchFamily="34" charset="0"/>
+              </a:rPr>
+            </a:br>
+            <a:r>
+              <a:rPr lang="en-US" sz="1100" dirty="0">
+                <a:latin typeface="Segoe UI Black" panose="020B0A02040204020203" pitchFamily="34" charset="0"/>
+                <a:ea typeface="Segoe UI Black" panose="020B0A02040204020203" pitchFamily="34" charset="0"/>
+              </a:rPr>
+              <a:t>85</a:t>
+            </a:r>
+          </a:p>
+        </p:txBody>
+      </p:sp>
+      <p:sp>
+        <p:nvSpPr>
+          <p:cNvPr id="34" name="Rectangle 33">
+            <a:extLst>
+              <a:ext uri="{FF2B5EF4-FFF2-40B4-BE49-F238E27FC236}">
+                <a16:creationId xmlns:a16="http://schemas.microsoft.com/office/drawing/2014/main" id="{93EAD6E5-D181-224B-E121-E4FC1B0D0071}"/>
+              </a:ext>
+            </a:extLst>
+          </p:cNvPr>
+          <p:cNvSpPr/>
+          <p:nvPr/>
+        </p:nvSpPr>
+        <p:spPr>
+          <a:xfrm>
+            <a:off x="1196004" y="4433340"/>
+            <a:ext cx="798392" cy="2063945"/>
+          </a:xfrm>
+          <a:prstGeom prst="rect">
+            <a:avLst/>
+          </a:prstGeom>
+          <a:solidFill>
+            <a:schemeClr val="accent5">
+              <a:alpha val="50000"/>
+            </a:schemeClr>
+          </a:solidFill>
+          <a:ln>
+            <a:noFill/>
+          </a:ln>
+        </p:spPr>
+        <p:style>
+          <a:lnRef idx="0">
+            <a:scrgbClr r="0" g="0" b="0"/>
+          </a:lnRef>
+          <a:fillRef idx="0">
+            <a:scrgbClr r="0" g="0" b="0"/>
+          </a:fillRef>
+          <a:effectRef idx="0">
+            <a:scrgbClr r="0" g="0" b="0"/>
+          </a:effectRef>
+          <a:fontRef idx="minor">
+            <a:schemeClr val="lt1"/>
+          </a:fontRef>
+        </p:style>
+        <p:txBody>
+          <a:bodyPr rtlCol="0" anchor="ctr"/>
+          <a:lstStyle/>
+          <a:p>
+            <a:pPr algn="ctr"/>
+            <a:r>
+              <a:rPr lang="en-US" b="1" dirty="0">
+                <a:solidFill>
+                  <a:srgbClr val="FFFF00"/>
+                </a:solidFill>
+                <a:latin typeface="Segoe UI Black" panose="020B0A02040204020203" pitchFamily="34" charset="0"/>
+                <a:ea typeface="Segoe UI Black" panose="020B0A02040204020203" pitchFamily="34" charset="0"/>
+              </a:rPr>
+              <a:t>54</a:t>
+            </a:r>
+          </a:p>
+        </p:txBody>
+      </p:sp>
+      <p:sp>
+        <p:nvSpPr>
+          <p:cNvPr id="36" name="Rectangle 35">
+            <a:extLst>
+              <a:ext uri="{FF2B5EF4-FFF2-40B4-BE49-F238E27FC236}">
+                <a16:creationId xmlns:a16="http://schemas.microsoft.com/office/drawing/2014/main" id="{4198651E-B9C4-78DE-AFED-41A5C2CA66BE}"/>
+              </a:ext>
+            </a:extLst>
+          </p:cNvPr>
+          <p:cNvSpPr/>
+          <p:nvPr/>
+        </p:nvSpPr>
+        <p:spPr>
+          <a:xfrm>
+            <a:off x="205585" y="4400726"/>
+            <a:ext cx="798392" cy="1063720"/>
+          </a:xfrm>
+          <a:prstGeom prst="rect">
+            <a:avLst/>
+          </a:prstGeom>
+          <a:solidFill>
+            <a:schemeClr val="accent1">
+              <a:alpha val="86000"/>
+            </a:schemeClr>
+          </a:solidFill>
+          <a:ln>
+            <a:noFill/>
+          </a:ln>
+        </p:spPr>
+        <p:style>
+          <a:lnRef idx="0">
+            <a:scrgbClr r="0" g="0" b="0"/>
+          </a:lnRef>
+          <a:fillRef idx="0">
+            <a:scrgbClr r="0" g="0" b="0"/>
+          </a:fillRef>
+          <a:effectRef idx="0">
+            <a:scrgbClr r="0" g="0" b="0"/>
+          </a:effectRef>
+          <a:fontRef idx="minor">
+            <a:schemeClr val="lt1"/>
+          </a:fontRef>
+        </p:style>
+        <p:txBody>
+          <a:bodyPr rtlCol="0" anchor="ctr"/>
+          <a:lstStyle/>
+          <a:p>
+            <a:pPr algn="ctr"/>
+            <a:r>
+              <a:rPr lang="en-US" b="1" dirty="0">
+                <a:solidFill>
+                  <a:srgbClr val="FFFF00"/>
+                </a:solidFill>
+                <a:latin typeface="Segoe UI Black" panose="020B0A02040204020203" pitchFamily="34" charset="0"/>
+                <a:ea typeface="Segoe UI Black" panose="020B0A02040204020203" pitchFamily="34" charset="0"/>
+              </a:rPr>
+              <a:t>26</a:t>
+            </a:r>
+          </a:p>
+        </p:txBody>
+      </p:sp>
+      <p:sp>
+        <p:nvSpPr>
+          <p:cNvPr id="37" name="Rectangle 36">
+            <a:extLst>
+              <a:ext uri="{FF2B5EF4-FFF2-40B4-BE49-F238E27FC236}">
+                <a16:creationId xmlns:a16="http://schemas.microsoft.com/office/drawing/2014/main" id="{7DE01C25-4CD4-E00D-9C6A-2645F8703FB5}"/>
+              </a:ext>
+            </a:extLst>
+          </p:cNvPr>
+          <p:cNvSpPr/>
+          <p:nvPr/>
+        </p:nvSpPr>
+        <p:spPr>
+          <a:xfrm>
+            <a:off x="205585" y="5464445"/>
+            <a:ext cx="798392" cy="1063720"/>
+          </a:xfrm>
+          <a:prstGeom prst="rect">
+            <a:avLst/>
+          </a:prstGeom>
+          <a:solidFill>
+            <a:schemeClr val="accent3">
+              <a:alpha val="86000"/>
+            </a:schemeClr>
+          </a:solidFill>
+          <a:ln>
+            <a:noFill/>
+          </a:ln>
+        </p:spPr>
+        <p:style>
+          <a:lnRef idx="0">
+            <a:scrgbClr r="0" g="0" b="0"/>
+          </a:lnRef>
+          <a:fillRef idx="0">
+            <a:scrgbClr r="0" g="0" b="0"/>
+          </a:fillRef>
+          <a:effectRef idx="0">
+            <a:scrgbClr r="0" g="0" b="0"/>
+          </a:effectRef>
+          <a:fontRef idx="minor">
+            <a:schemeClr val="lt1"/>
+          </a:fontRef>
+        </p:style>
+        <p:txBody>
+          <a:bodyPr rtlCol="0" anchor="ctr"/>
+          <a:lstStyle/>
+          <a:p>
+            <a:pPr algn="ctr"/>
+            <a:r>
+              <a:rPr lang="en-US" b="1" dirty="0">
+                <a:solidFill>
+                  <a:srgbClr val="FFFF00"/>
+                </a:solidFill>
+                <a:latin typeface="Segoe UI Black" panose="020B0A02040204020203" pitchFamily="34" charset="0"/>
+                <a:ea typeface="Segoe UI Black" panose="020B0A02040204020203" pitchFamily="34" charset="0"/>
+              </a:rPr>
+              <a:t>28</a:t>
+            </a:r>
+          </a:p>
+        </p:txBody>
+      </p:sp>
+      <p:sp>
+        <p:nvSpPr>
+          <p:cNvPr id="38" name="Rectangle 37">
+            <a:extLst>
+              <a:ext uri="{FF2B5EF4-FFF2-40B4-BE49-F238E27FC236}">
+                <a16:creationId xmlns:a16="http://schemas.microsoft.com/office/drawing/2014/main" id="{F99DB987-D1E1-EAE4-76B2-CFB131171285}"/>
+              </a:ext>
+            </a:extLst>
+          </p:cNvPr>
+          <p:cNvSpPr/>
+          <p:nvPr/>
+        </p:nvSpPr>
+        <p:spPr>
+          <a:xfrm>
+            <a:off x="210603" y="3093958"/>
+            <a:ext cx="798392" cy="1306767"/>
+          </a:xfrm>
+          <a:prstGeom prst="rect">
+            <a:avLst/>
+          </a:prstGeom>
+          <a:solidFill>
+            <a:schemeClr val="accent3">
+              <a:alpha val="86000"/>
+            </a:schemeClr>
+          </a:solidFill>
+          <a:ln>
+            <a:noFill/>
+          </a:ln>
+        </p:spPr>
+        <p:style>
+          <a:lnRef idx="0">
+            <a:scrgbClr r="0" g="0" b="0"/>
+          </a:lnRef>
+          <a:fillRef idx="0">
+            <a:scrgbClr r="0" g="0" b="0"/>
+          </a:fillRef>
+          <a:effectRef idx="0">
+            <a:scrgbClr r="0" g="0" b="0"/>
+          </a:effectRef>
+          <a:fontRef idx="minor">
+            <a:schemeClr val="lt1"/>
+          </a:fontRef>
+        </p:style>
+        <p:txBody>
+          <a:bodyPr rtlCol="0" anchor="ctr"/>
+          <a:lstStyle/>
+          <a:p>
+            <a:pPr algn="ctr"/>
+            <a:r>
+              <a:rPr lang="en-US" b="1" dirty="0">
+                <a:solidFill>
+                  <a:srgbClr val="FFFF00"/>
+                </a:solidFill>
+                <a:latin typeface="Segoe UI Black" panose="020B0A02040204020203" pitchFamily="34" charset="0"/>
+                <a:ea typeface="Segoe UI Black" panose="020B0A02040204020203" pitchFamily="34" charset="0"/>
+              </a:rPr>
+              <a:t>39,5</a:t>
+            </a:r>
+          </a:p>
+        </p:txBody>
+      </p:sp>
+      <p:sp>
+        <p:nvSpPr>
+          <p:cNvPr id="39" name="Rectangle 38">
+            <a:extLst>
+              <a:ext uri="{FF2B5EF4-FFF2-40B4-BE49-F238E27FC236}">
+                <a16:creationId xmlns:a16="http://schemas.microsoft.com/office/drawing/2014/main" id="{1FEE7659-EFD1-4E13-ECDD-5BBD5EB2563C}"/>
+              </a:ext>
+            </a:extLst>
+          </p:cNvPr>
+          <p:cNvSpPr/>
+          <p:nvPr/>
+        </p:nvSpPr>
+        <p:spPr>
+          <a:xfrm>
+            <a:off x="214935" y="2290629"/>
+            <a:ext cx="798392" cy="803329"/>
+          </a:xfrm>
+          <a:prstGeom prst="rect">
+            <a:avLst/>
+          </a:prstGeom>
+          <a:solidFill>
+            <a:schemeClr val="accent1">
+              <a:alpha val="86000"/>
+            </a:schemeClr>
+          </a:solidFill>
+          <a:ln>
+            <a:noFill/>
+          </a:ln>
+        </p:spPr>
+        <p:style>
+          <a:lnRef idx="0">
+            <a:scrgbClr r="0" g="0" b="0"/>
+          </a:lnRef>
+          <a:fillRef idx="0">
+            <a:scrgbClr r="0" g="0" b="0"/>
+          </a:fillRef>
+          <a:effectRef idx="0">
+            <a:scrgbClr r="0" g="0" b="0"/>
+          </a:effectRef>
+          <a:fontRef idx="minor">
+            <a:schemeClr val="lt1"/>
+          </a:fontRef>
+        </p:style>
+        <p:txBody>
+          <a:bodyPr rtlCol="0" anchor="ctr"/>
+          <a:lstStyle/>
+          <a:p>
+            <a:pPr algn="ctr"/>
+            <a:r>
+              <a:rPr lang="en-US" b="1" dirty="0">
+                <a:solidFill>
+                  <a:srgbClr val="FFFF00"/>
+                </a:solidFill>
+                <a:latin typeface="Segoe UI Black" panose="020B0A02040204020203" pitchFamily="34" charset="0"/>
+                <a:ea typeface="Segoe UI Black" panose="020B0A02040204020203" pitchFamily="34" charset="0"/>
+              </a:rPr>
+              <a:t>20,5</a:t>
+            </a:r>
+          </a:p>
+        </p:txBody>
+      </p:sp>
+      <p:sp>
+        <p:nvSpPr>
+          <p:cNvPr id="40" name="Rectangle 39">
+            <a:extLst>
+              <a:ext uri="{FF2B5EF4-FFF2-40B4-BE49-F238E27FC236}">
+                <a16:creationId xmlns:a16="http://schemas.microsoft.com/office/drawing/2014/main" id="{8C28B39C-9D8E-FE01-0AC6-A1ABAFAABC6E}"/>
+              </a:ext>
+            </a:extLst>
+          </p:cNvPr>
+          <p:cNvSpPr/>
+          <p:nvPr/>
+        </p:nvSpPr>
+        <p:spPr>
+          <a:xfrm>
+            <a:off x="221941" y="1847850"/>
+            <a:ext cx="798392" cy="442644"/>
+          </a:xfrm>
+          <a:prstGeom prst="rect">
+            <a:avLst/>
+          </a:prstGeom>
+          <a:solidFill>
+            <a:schemeClr val="accent3">
+              <a:alpha val="86000"/>
+            </a:schemeClr>
+          </a:solidFill>
+          <a:ln>
+            <a:noFill/>
+          </a:ln>
+        </p:spPr>
+        <p:style>
+          <a:lnRef idx="0">
+            <a:scrgbClr r="0" g="0" b="0"/>
+          </a:lnRef>
+          <a:fillRef idx="0">
+            <a:scrgbClr r="0" g="0" b="0"/>
+          </a:fillRef>
+          <a:effectRef idx="0">
+            <a:scrgbClr r="0" g="0" b="0"/>
+          </a:effectRef>
+          <a:fontRef idx="minor">
+            <a:schemeClr val="lt1"/>
+          </a:fontRef>
+        </p:style>
+        <p:txBody>
+          <a:bodyPr rtlCol="0" anchor="ctr"/>
+          <a:lstStyle/>
+          <a:p>
+            <a:pPr algn="ctr"/>
+            <a:r>
+              <a:rPr lang="en-US" b="1" dirty="0">
+                <a:solidFill>
+                  <a:srgbClr val="FFFF00"/>
+                </a:solidFill>
+                <a:latin typeface="Segoe UI Black" panose="020B0A02040204020203" pitchFamily="34" charset="0"/>
+                <a:ea typeface="Segoe UI Black" panose="020B0A02040204020203" pitchFamily="34" charset="0"/>
+              </a:rPr>
+              <a:t>14</a:t>
+            </a:r>
+          </a:p>
+        </p:txBody>
+      </p:sp>
+      <p:sp>
+        <p:nvSpPr>
+          <p:cNvPr id="41" name="Rectangle 40">
+            <a:extLst>
+              <a:ext uri="{FF2B5EF4-FFF2-40B4-BE49-F238E27FC236}">
+                <a16:creationId xmlns:a16="http://schemas.microsoft.com/office/drawing/2014/main" id="{084CE06F-32D3-1FEC-9568-B620F0135936}"/>
+              </a:ext>
+            </a:extLst>
+          </p:cNvPr>
+          <p:cNvSpPr/>
+          <p:nvPr/>
+        </p:nvSpPr>
+        <p:spPr>
+          <a:xfrm>
+            <a:off x="221941" y="457200"/>
+            <a:ext cx="798392" cy="1390515"/>
+          </a:xfrm>
+          <a:prstGeom prst="rect">
+            <a:avLst/>
+          </a:prstGeom>
+          <a:solidFill>
+            <a:schemeClr val="accent1">
+              <a:alpha val="86000"/>
+            </a:schemeClr>
+          </a:solidFill>
+          <a:ln>
+            <a:noFill/>
+          </a:ln>
+        </p:spPr>
+        <p:style>
+          <a:lnRef idx="0">
+            <a:scrgbClr r="0" g="0" b="0"/>
+          </a:lnRef>
+          <a:fillRef idx="0">
+            <a:scrgbClr r="0" g="0" b="0"/>
+          </a:fillRef>
+          <a:effectRef idx="0">
+            <a:scrgbClr r="0" g="0" b="0"/>
+          </a:effectRef>
+          <a:fontRef idx="minor">
+            <a:schemeClr val="lt1"/>
+          </a:fontRef>
+        </p:style>
+        <p:txBody>
+          <a:bodyPr rtlCol="0" anchor="ctr"/>
+          <a:lstStyle/>
+          <a:p>
+            <a:pPr algn="ctr"/>
+            <a:r>
+              <a:rPr lang="en-US" b="1" dirty="0">
+                <a:solidFill>
+                  <a:srgbClr val="FFFF00"/>
+                </a:solidFill>
+                <a:latin typeface="Segoe UI Black" panose="020B0A02040204020203" pitchFamily="34" charset="0"/>
+                <a:ea typeface="Segoe UI Black" panose="020B0A02040204020203" pitchFamily="34" charset="0"/>
+              </a:rPr>
+              <a:t>41</a:t>
+            </a:r>
+          </a:p>
+        </p:txBody>
+      </p:sp>
+      <p:cxnSp>
+        <p:nvCxnSpPr>
+          <p:cNvPr id="43" name="Straight Connector 42">
+            <a:extLst>
+              <a:ext uri="{FF2B5EF4-FFF2-40B4-BE49-F238E27FC236}">
+                <a16:creationId xmlns:a16="http://schemas.microsoft.com/office/drawing/2014/main" id="{6788A358-0E83-D4F9-CB2A-AAA599BF1928}"/>
+              </a:ext>
+            </a:extLst>
+          </p:cNvPr>
+          <p:cNvCxnSpPr/>
+          <p:nvPr/>
+        </p:nvCxnSpPr>
+        <p:spPr>
+          <a:xfrm>
+            <a:off x="2257425" y="4932586"/>
+            <a:ext cx="1204913" cy="0"/>
+          </a:xfrm>
+          <a:prstGeom prst="line">
+            <a:avLst/>
+          </a:prstGeom>
+          <a:ln w="57150"/>
+        </p:spPr>
+        <p:style>
+          <a:lnRef idx="2">
+            <a:schemeClr val="accent2"/>
+          </a:lnRef>
+          <a:fillRef idx="0">
+            <a:schemeClr val="accent2"/>
+          </a:fillRef>
+          <a:effectRef idx="1">
+            <a:schemeClr val="accent2"/>
+          </a:effectRef>
+          <a:fontRef idx="minor">
+            <a:schemeClr val="tx1"/>
+          </a:fontRef>
+        </p:style>
+      </p:cxnSp>
+      <p:sp>
+        <p:nvSpPr>
+          <p:cNvPr id="45" name="TextBox 44">
+            <a:extLst>
+              <a:ext uri="{FF2B5EF4-FFF2-40B4-BE49-F238E27FC236}">
+                <a16:creationId xmlns:a16="http://schemas.microsoft.com/office/drawing/2014/main" id="{83DACE40-0AC9-C627-25D2-4366737B5B55}"/>
+              </a:ext>
+            </a:extLst>
+          </p:cNvPr>
+          <p:cNvSpPr txBox="1"/>
+          <p:nvPr/>
+        </p:nvSpPr>
+        <p:spPr>
+          <a:xfrm>
+            <a:off x="2859881" y="4693101"/>
+            <a:ext cx="1663422" cy="215444"/>
+          </a:xfrm>
+          <a:prstGeom prst="rect">
+            <a:avLst/>
+          </a:prstGeom>
+          <a:noFill/>
+        </p:spPr>
+        <p:txBody>
+          <a:bodyPr wrap="square">
+            <a:spAutoFit/>
+          </a:bodyPr>
+          <a:lstStyle/>
+          <a:p>
+            <a:pPr algn="ctr"/>
+            <a:r>
+              <a:rPr lang="en-US" sz="800" b="1" dirty="0">
+                <a:solidFill>
+                  <a:schemeClr val="accent2"/>
+                </a:solidFill>
+                <a:latin typeface="Segoe UI Black" panose="020B0A02040204020203" pitchFamily="34" charset="0"/>
+                <a:ea typeface="Segoe UI Black" panose="020B0A02040204020203" pitchFamily="34" charset="0"/>
+              </a:rPr>
+              <a:t>Cooling tube Position Area</a:t>
+            </a:r>
+          </a:p>
+        </p:txBody>
+      </p:sp>
     </p:spTree>
     <p:extLst>
       <p:ext uri="{BB962C8B-B14F-4D97-AF65-F5344CB8AC3E}">
         <p14:creationId xmlns:p14="http://schemas.microsoft.com/office/powerpoint/2010/main" val="2603049444"/>
+      </p:ext>
+    </p:extLst>
+  </p:cSld>
+  <p:clrMapOvr>
+    <a:masterClrMapping/>
+  </p:clrMapOvr>
+</p:sld>
+</file>
+
+<file path=ppt/slides/slide2.xml><?xml version="1.0" encoding="utf-8"?>
+<p:sld xmlns:a="http://schemas.openxmlformats.org/drawingml/2006/main" xmlns:r="http://schemas.openxmlformats.org/officeDocument/2006/relationships" xmlns:p="http://schemas.openxmlformats.org/presentationml/2006/main">
+  <p:cSld>
+    <p:spTree>
+      <p:nvGrpSpPr>
+        <p:cNvPr id="1" name=""/>
+        <p:cNvGrpSpPr/>
+        <p:nvPr/>
+      </p:nvGrpSpPr>
+      <p:grpSpPr>
+        <a:xfrm>
+          <a:off x="0" y="0"/>
+          <a:ext cx="0" cy="0"/>
+          <a:chOff x="0" y="0"/>
+          <a:chExt cx="0" cy="0"/>
+        </a:xfrm>
+      </p:grpSpPr>
+      <p:sp>
+        <p:nvSpPr>
+          <p:cNvPr id="2" name="Title 1">
+            <a:extLst>
+              <a:ext uri="{FF2B5EF4-FFF2-40B4-BE49-F238E27FC236}">
+                <a16:creationId xmlns:a16="http://schemas.microsoft.com/office/drawing/2014/main" id="{8B9CBC0B-C56C-0A7F-A31F-242E73F8DBE2}"/>
+              </a:ext>
+            </a:extLst>
+          </p:cNvPr>
+          <p:cNvSpPr>
+            <a:spLocks noGrp="1"/>
+          </p:cNvSpPr>
+          <p:nvPr>
+            <p:ph type="title"/>
+          </p:nvPr>
+        </p:nvSpPr>
+        <p:spPr/>
+        <p:txBody>
+          <a:bodyPr/>
+          <a:lstStyle/>
+          <a:p>
+            <a:endParaRPr lang="en-US"/>
+          </a:p>
+        </p:txBody>
+      </p:sp>
+      <p:pic>
+        <p:nvPicPr>
+          <p:cNvPr id="4" name="Picture 3">
+            <a:extLst>
+              <a:ext uri="{FF2B5EF4-FFF2-40B4-BE49-F238E27FC236}">
+                <a16:creationId xmlns:a16="http://schemas.microsoft.com/office/drawing/2014/main" id="{CEC28234-BBD0-50D7-D3EE-E44DD5DCB8D5}"/>
+              </a:ext>
+            </a:extLst>
+          </p:cNvPr>
+          <p:cNvPicPr>
+            <a:picLocks noChangeAspect="1"/>
+          </p:cNvPicPr>
+          <p:nvPr/>
+        </p:nvPicPr>
+        <p:blipFill>
+          <a:blip r:embed="rId2"/>
+          <a:stretch>
+            <a:fillRect/>
+          </a:stretch>
+        </p:blipFill>
+        <p:spPr>
+          <a:xfrm>
+            <a:off x="304486" y="1328480"/>
+            <a:ext cx="4496427" cy="3686689"/>
+          </a:xfrm>
+          <a:prstGeom prst="rect">
+            <a:avLst/>
+          </a:prstGeom>
+        </p:spPr>
+      </p:pic>
+      <p:pic>
+        <p:nvPicPr>
+          <p:cNvPr id="6" name="Picture 5">
+            <a:extLst>
+              <a:ext uri="{FF2B5EF4-FFF2-40B4-BE49-F238E27FC236}">
+                <a16:creationId xmlns:a16="http://schemas.microsoft.com/office/drawing/2014/main" id="{AD22093B-40BF-D8E9-C423-128553ABCADB}"/>
+              </a:ext>
+            </a:extLst>
+          </p:cNvPr>
+          <p:cNvPicPr>
+            <a:picLocks noChangeAspect="1"/>
+          </p:cNvPicPr>
+          <p:nvPr/>
+        </p:nvPicPr>
+        <p:blipFill>
+          <a:blip r:embed="rId3"/>
+          <a:stretch>
+            <a:fillRect/>
+          </a:stretch>
+        </p:blipFill>
+        <p:spPr>
+          <a:xfrm>
+            <a:off x="5443190" y="1566679"/>
+            <a:ext cx="4982270" cy="2619741"/>
+          </a:xfrm>
+          <a:prstGeom prst="rect">
+            <a:avLst/>
+          </a:prstGeom>
+        </p:spPr>
+      </p:pic>
+    </p:spTree>
+    <p:extLst>
+      <p:ext uri="{BB962C8B-B14F-4D97-AF65-F5344CB8AC3E}">
+        <p14:creationId xmlns:p14="http://schemas.microsoft.com/office/powerpoint/2010/main" val="2854992833"/>
       </p:ext>
     </p:extLst>
   </p:cSld>
